--- a/2DGP_2차_프로젝트_발표_202118405_지민우.pptx
+++ b/2DGP_2차_프로젝트_발표_202118405_지민우.pptx
@@ -5,20 +5,21 @@
     <p:sldMasterId id="2147483648" r:id="rId1"/>
   </p:sldMasterIdLst>
   <p:notesMasterIdLst>
-    <p:notesMasterId r:id="rId5"/>
+    <p:notesMasterId r:id="rId6"/>
   </p:notesMasterIdLst>
   <p:sldIdLst>
     <p:sldId id="266" r:id="rId2"/>
     <p:sldId id="295" r:id="rId3"/>
     <p:sldId id="296" r:id="rId4"/>
+    <p:sldId id="297" r:id="rId5"/>
   </p:sldIdLst>
   <p:sldSz cx="12192000" cy="6858000"/>
   <p:notesSz cx="6858000" cy="9144000"/>
   <p:embeddedFontLst>
     <p:embeddedFont>
       <p:font typeface="메이플스토리" panose="02000300000000000000" pitchFamily="2" charset="-127"/>
-      <p:regular r:id="rId6"/>
-      <p:bold r:id="rId7"/>
+      <p:regular r:id="rId7"/>
+      <p:bold r:id="rId8"/>
     </p:embeddedFont>
   </p:embeddedFontLst>
   <p:defaultTextStyle>
@@ -5417,6 +5418,261 @@
 </p:sld>
 </file>
 
+<file path=ppt/slides/slide4.xml><?xml version="1.0" encoding="utf-8"?>
+<p:sld xmlns:a="http://schemas.openxmlformats.org/drawingml/2006/main" xmlns:r="http://schemas.openxmlformats.org/officeDocument/2006/relationships" xmlns:p="http://schemas.openxmlformats.org/presentationml/2006/main">
+  <p:cSld>
+    <p:bg>
+      <p:bgPr>
+        <a:solidFill>
+          <a:schemeClr val="bg1"/>
+        </a:solidFill>
+        <a:effectLst/>
+      </p:bgPr>
+    </p:bg>
+    <p:spTree>
+      <p:nvGrpSpPr>
+        <p:cNvPr id="1" name="">
+          <a:extLst>
+            <a:ext uri="{FF2B5EF4-FFF2-40B4-BE49-F238E27FC236}">
+              <a16:creationId xmlns:a16="http://schemas.microsoft.com/office/drawing/2014/main" id="{5C5DBBB8-9B74-D4EF-304C-81D3175FC422}"/>
+            </a:ext>
+          </a:extLst>
+        </p:cNvPr>
+        <p:cNvGrpSpPr/>
+        <p:nvPr/>
+      </p:nvGrpSpPr>
+      <p:grpSpPr>
+        <a:xfrm>
+          <a:off x="0" y="0"/>
+          <a:ext cx="0" cy="0"/>
+          <a:chOff x="0" y="0"/>
+          <a:chExt cx="0" cy="0"/>
+        </a:xfrm>
+      </p:grpSpPr>
+      <p:cxnSp>
+        <p:nvCxnSpPr>
+          <p:cNvPr id="17" name="직선 연결선 16">
+            <a:extLst>
+              <a:ext uri="{FF2B5EF4-FFF2-40B4-BE49-F238E27FC236}">
+                <a16:creationId xmlns:a16="http://schemas.microsoft.com/office/drawing/2014/main" id="{6F404173-4A57-2D73-B44F-B3C8C6EBB2BF}"/>
+              </a:ext>
+            </a:extLst>
+          </p:cNvPr>
+          <p:cNvCxnSpPr/>
+          <p:nvPr/>
+        </p:nvCxnSpPr>
+        <p:spPr>
+          <a:xfrm>
+            <a:off x="267629" y="323385"/>
+            <a:ext cx="11924371" cy="0"/>
+          </a:xfrm>
+          <a:prstGeom prst="line">
+            <a:avLst/>
+          </a:prstGeom>
+          <a:ln>
+            <a:solidFill>
+              <a:schemeClr val="tx1">
+                <a:lumMod val="75000"/>
+                <a:lumOff val="25000"/>
+              </a:schemeClr>
+            </a:solidFill>
+          </a:ln>
+        </p:spPr>
+        <p:style>
+          <a:lnRef idx="1">
+            <a:schemeClr val="accent1"/>
+          </a:lnRef>
+          <a:fillRef idx="0">
+            <a:schemeClr val="accent1"/>
+          </a:fillRef>
+          <a:effectRef idx="0">
+            <a:schemeClr val="accent1"/>
+          </a:effectRef>
+          <a:fontRef idx="minor">
+            <a:schemeClr val="tx1"/>
+          </a:fontRef>
+        </p:style>
+      </p:cxnSp>
+      <p:sp>
+        <p:nvSpPr>
+          <p:cNvPr id="18" name="TextBox 17">
+            <a:extLst>
+              <a:ext uri="{FF2B5EF4-FFF2-40B4-BE49-F238E27FC236}">
+                <a16:creationId xmlns:a16="http://schemas.microsoft.com/office/drawing/2014/main" id="{DB498895-5A6F-FAC3-C918-2FBC6762FE85}"/>
+              </a:ext>
+            </a:extLst>
+          </p:cNvPr>
+          <p:cNvSpPr txBox="1"/>
+          <p:nvPr/>
+        </p:nvSpPr>
+        <p:spPr>
+          <a:xfrm>
+            <a:off x="267628" y="423743"/>
+            <a:ext cx="537327" cy="584775"/>
+          </a:xfrm>
+          <a:prstGeom prst="rect">
+            <a:avLst/>
+          </a:prstGeom>
+          <a:noFill/>
+        </p:spPr>
+        <p:txBody>
+          <a:bodyPr wrap="none" rtlCol="0">
+            <a:spAutoFit/>
+          </a:bodyPr>
+          <a:lstStyle/>
+          <a:p>
+            <a:r>
+              <a:rPr lang="en-US" altLang="ko-KR" sz="3200" b="1" dirty="0">
+                <a:solidFill>
+                  <a:schemeClr val="tx1">
+                    <a:lumMod val="75000"/>
+                    <a:lumOff val="25000"/>
+                  </a:schemeClr>
+                </a:solidFill>
+                <a:latin typeface="메이플스토리" panose="02000300000000000000" pitchFamily="2" charset="-127"/>
+                <a:ea typeface="메이플스토리" panose="02000300000000000000" pitchFamily="2" charset="-127"/>
+              </a:rPr>
+              <a:t>&gt;&gt;</a:t>
+            </a:r>
+            <a:endParaRPr lang="ko-KR" altLang="en-US" sz="3200" b="1" dirty="0">
+              <a:solidFill>
+                <a:schemeClr val="tx1">
+                  <a:lumMod val="75000"/>
+                  <a:lumOff val="25000"/>
+                </a:schemeClr>
+              </a:solidFill>
+              <a:latin typeface="메이플스토리" panose="02000300000000000000" pitchFamily="2" charset="-127"/>
+              <a:ea typeface="메이플스토리" panose="02000300000000000000" pitchFamily="2" charset="-127"/>
+            </a:endParaRPr>
+          </a:p>
+        </p:txBody>
+      </p:sp>
+      <p:sp>
+        <p:nvSpPr>
+          <p:cNvPr id="19" name="TextBox 18">
+            <a:extLst>
+              <a:ext uri="{FF2B5EF4-FFF2-40B4-BE49-F238E27FC236}">
+                <a16:creationId xmlns:a16="http://schemas.microsoft.com/office/drawing/2014/main" id="{C6B5D017-9CA9-AADF-EE3E-6C1DA68211E5}"/>
+              </a:ext>
+            </a:extLst>
+          </p:cNvPr>
+          <p:cNvSpPr txBox="1"/>
+          <p:nvPr/>
+        </p:nvSpPr>
+        <p:spPr>
+          <a:xfrm>
+            <a:off x="804955" y="423742"/>
+            <a:ext cx="3169457" cy="584775"/>
+          </a:xfrm>
+          <a:prstGeom prst="rect">
+            <a:avLst/>
+          </a:prstGeom>
+          <a:noFill/>
+        </p:spPr>
+        <p:txBody>
+          <a:bodyPr wrap="none" rtlCol="0">
+            <a:spAutoFit/>
+          </a:bodyPr>
+          <a:lstStyle/>
+          <a:p>
+            <a:r>
+              <a:rPr lang="en-US" altLang="ko-KR" sz="3200" b="1" dirty="0" err="1">
+                <a:solidFill>
+                  <a:schemeClr val="tx1">
+                    <a:lumMod val="75000"/>
+                    <a:lumOff val="25000"/>
+                  </a:schemeClr>
+                </a:solidFill>
+                <a:latin typeface="메이플스토리" panose="02000300000000000000" pitchFamily="2" charset="-127"/>
+                <a:ea typeface="메이플스토리" panose="02000300000000000000" pitchFamily="2" charset="-127"/>
+              </a:rPr>
+              <a:t>Github</a:t>
+            </a:r>
+            <a:r>
+              <a:rPr lang="en-US" altLang="ko-KR" sz="3200" b="1" dirty="0">
+                <a:solidFill>
+                  <a:schemeClr val="tx1">
+                    <a:lumMod val="75000"/>
+                    <a:lumOff val="25000"/>
+                  </a:schemeClr>
+                </a:solidFill>
+                <a:latin typeface="메이플스토리" panose="02000300000000000000" pitchFamily="2" charset="-127"/>
+                <a:ea typeface="메이플스토리" panose="02000300000000000000" pitchFamily="2" charset="-127"/>
+              </a:rPr>
+              <a:t> </a:t>
+            </a:r>
+            <a:r>
+              <a:rPr lang="ko-KR" altLang="en-US" sz="3200" b="1" dirty="0" err="1">
+                <a:solidFill>
+                  <a:schemeClr val="tx1">
+                    <a:lumMod val="75000"/>
+                    <a:lumOff val="25000"/>
+                  </a:schemeClr>
+                </a:solidFill>
+                <a:latin typeface="메이플스토리" panose="02000300000000000000" pitchFamily="2" charset="-127"/>
+                <a:ea typeface="메이플스토리" panose="02000300000000000000" pitchFamily="2" charset="-127"/>
+              </a:rPr>
+              <a:t>커밋</a:t>
+            </a:r>
+            <a:r>
+              <a:rPr lang="ko-KR" altLang="en-US" sz="3200" b="1" dirty="0">
+                <a:solidFill>
+                  <a:schemeClr val="tx1">
+                    <a:lumMod val="75000"/>
+                    <a:lumOff val="25000"/>
+                  </a:schemeClr>
+                </a:solidFill>
+                <a:latin typeface="메이플스토리" panose="02000300000000000000" pitchFamily="2" charset="-127"/>
+                <a:ea typeface="메이플스토리" panose="02000300000000000000" pitchFamily="2" charset="-127"/>
+              </a:rPr>
+              <a:t> 통계</a:t>
+            </a:r>
+          </a:p>
+        </p:txBody>
+      </p:sp>
+      <p:pic>
+        <p:nvPicPr>
+          <p:cNvPr id="4" name="그림 3">
+            <a:extLst>
+              <a:ext uri="{FF2B5EF4-FFF2-40B4-BE49-F238E27FC236}">
+                <a16:creationId xmlns:a16="http://schemas.microsoft.com/office/drawing/2014/main" id="{AAC7BB23-27B4-D9A6-BF7B-102B267C672F}"/>
+              </a:ext>
+            </a:extLst>
+          </p:cNvPr>
+          <p:cNvPicPr>
+            <a:picLocks noChangeAspect="1"/>
+          </p:cNvPicPr>
+          <p:nvPr/>
+        </p:nvPicPr>
+        <p:blipFill>
+          <a:blip r:embed="rId2"/>
+          <a:stretch>
+            <a:fillRect/>
+          </a:stretch>
+        </p:blipFill>
+        <p:spPr>
+          <a:xfrm>
+            <a:off x="0" y="1108873"/>
+            <a:ext cx="12192000" cy="5032242"/>
+          </a:xfrm>
+          <a:prstGeom prst="rect">
+            <a:avLst/>
+          </a:prstGeom>
+        </p:spPr>
+      </p:pic>
+    </p:spTree>
+    <p:extLst>
+      <p:ext uri="{BB962C8B-B14F-4D97-AF65-F5344CB8AC3E}">
+        <p14:creationId xmlns:p14="http://schemas.microsoft.com/office/powerpoint/2010/main" val="3484839582"/>
+      </p:ext>
+    </p:extLst>
+  </p:cSld>
+  <p:clrMapOvr>
+    <a:masterClrMapping/>
+  </p:clrMapOvr>
+</p:sld>
+</file>
+
 <file path=ppt/theme/theme1.xml><?xml version="1.0" encoding="utf-8"?>
 <a:theme xmlns:a="http://schemas.openxmlformats.org/drawingml/2006/main" name="Office 테마">
   <a:themeElements>
